--- a/Presentation - Project 1.pptx
+++ b/Presentation - Project 1.pptx
@@ -5,10 +5,10 @@
     <p:sldMasterId id="2147483660" r:id="rId1"/>
   </p:sldMasterIdLst>
   <p:notesMasterIdLst>
-    <p:notesMasterId r:id="rId17"/>
+    <p:notesMasterId r:id="rId16"/>
   </p:notesMasterIdLst>
   <p:handoutMasterIdLst>
-    <p:handoutMasterId r:id="rId18"/>
+    <p:handoutMasterId r:id="rId17"/>
   </p:handoutMasterIdLst>
   <p:sldIdLst>
     <p:sldId id="256" r:id="rId2"/>
@@ -23,9 +23,8 @@
     <p:sldId id="291" r:id="rId11"/>
     <p:sldId id="297" r:id="rId12"/>
     <p:sldId id="290" r:id="rId13"/>
-    <p:sldId id="292" r:id="rId14"/>
-    <p:sldId id="294" r:id="rId15"/>
-    <p:sldId id="296" r:id="rId16"/>
+    <p:sldId id="294" r:id="rId14"/>
+    <p:sldId id="296" r:id="rId15"/>
   </p:sldIdLst>
   <p:sldSz cx="12192000" cy="6858000"/>
   <p:notesSz cx="6858000" cy="9144000"/>
@@ -141,7 +140,6 @@
             <p14:sldId id="291"/>
             <p14:sldId id="297"/>
             <p14:sldId id="290"/>
-            <p14:sldId id="292"/>
             <p14:sldId id="294"/>
             <p14:sldId id="296"/>
           </p14:sldIdLst>
@@ -2559,41 +2557,6 @@
           </a:p>
         </p:txBody>
       </p:sp>
-      <p:sp>
-        <p:nvSpPr>
-          <p:cNvPr id="4" name="TextBox 3">
-            <a:extLst>
-              <a:ext uri="{FF2B5EF4-FFF2-40B4-BE49-F238E27FC236}">
-                <a16:creationId xmlns:a16="http://schemas.microsoft.com/office/drawing/2014/main" id="{3B341BAE-FB93-4A47-BCC3-A889DA7018E3}"/>
-              </a:ext>
-            </a:extLst>
-          </p:cNvPr>
-          <p:cNvSpPr txBox="1"/>
-          <p:nvPr/>
-        </p:nvSpPr>
-        <p:spPr>
-          <a:xfrm>
-            <a:off x="521207" y="1476462"/>
-            <a:ext cx="7376956" cy="369332"/>
-          </a:xfrm>
-          <a:prstGeom prst="rect">
-            <a:avLst/>
-          </a:prstGeom>
-          <a:noFill/>
-        </p:spPr>
-        <p:txBody>
-          <a:bodyPr wrap="none" rtlCol="0">
-            <a:spAutoFit/>
-          </a:bodyPr>
-          <a:lstStyle/>
-          <a:p>
-            <a:r>
-              <a:rPr lang="en-US" dirty="0"/>
-              <a:t>What’s is the population in these top three and bottom three counties?</a:t>
-            </a:r>
-          </a:p>
-        </p:txBody>
-      </p:sp>
       <p:pic>
         <p:nvPicPr>
           <p:cNvPr id="5" name="Picture 4">
@@ -2622,8 +2585,44 @@
         </p:blipFill>
         <p:spPr>
           <a:xfrm>
-            <a:off x="388883" y="1845794"/>
-            <a:ext cx="11338560" cy="2834640"/>
+            <a:off x="822421" y="1222816"/>
+            <a:ext cx="10602200" cy="2650550"/>
+          </a:xfrm>
+          <a:prstGeom prst="rect">
+            <a:avLst/>
+          </a:prstGeom>
+        </p:spPr>
+      </p:pic>
+      <p:pic>
+        <p:nvPicPr>
+          <p:cNvPr id="7" name="Picture 6">
+            <a:extLst>
+              <a:ext uri="{FF2B5EF4-FFF2-40B4-BE49-F238E27FC236}">
+                <a16:creationId xmlns:a16="http://schemas.microsoft.com/office/drawing/2014/main" id="{F99AB6F4-AA69-EE40-8E6E-27ED7FB66656}"/>
+              </a:ext>
+            </a:extLst>
+          </p:cNvPr>
+          <p:cNvPicPr>
+            <a:picLocks noChangeAspect="1"/>
+          </p:cNvPicPr>
+          <p:nvPr/>
+        </p:nvPicPr>
+        <p:blipFill>
+          <a:blip r:embed="rId3">
+            <a:extLst>
+              <a:ext uri="{28A0092B-C50C-407E-A947-70E740481C1C}">
+                <a14:useLocalDpi xmlns:a14="http://schemas.microsoft.com/office/drawing/2010/main" val="0"/>
+              </a:ext>
+            </a:extLst>
+          </a:blip>
+          <a:stretch>
+            <a:fillRect/>
+          </a:stretch>
+        </p:blipFill>
+        <p:spPr>
+          <a:xfrm>
+            <a:off x="1145150" y="3873366"/>
+            <a:ext cx="10279471" cy="2871698"/>
           </a:xfrm>
           <a:prstGeom prst="rect">
             <a:avLst/>
@@ -2857,72 +2856,6 @@
           <p:cNvPr id="2" name="Title 1">
             <a:extLst>
               <a:ext uri="{FF2B5EF4-FFF2-40B4-BE49-F238E27FC236}">
-                <a16:creationId xmlns:a16="http://schemas.microsoft.com/office/drawing/2014/main" id="{4608F3C7-A85A-4CAF-840C-A68849332FB3}"/>
-              </a:ext>
-            </a:extLst>
-          </p:cNvPr>
-          <p:cNvSpPr>
-            <a:spLocks noGrp="1"/>
-          </p:cNvSpPr>
-          <p:nvPr>
-            <p:ph type="title"/>
-          </p:nvPr>
-        </p:nvSpPr>
-        <p:spPr>
-          <a:xfrm>
-            <a:off x="521207" y="448056"/>
-            <a:ext cx="10319618" cy="640080"/>
-          </a:xfrm>
-        </p:spPr>
-        <p:txBody>
-          <a:bodyPr>
-            <a:normAutofit fontScale="90000"/>
-          </a:bodyPr>
-          <a:lstStyle/>
-          <a:p>
-            <a:r>
-              <a:rPr lang="en-US" b="1" i="1" dirty="0"/>
-              <a:t>Is population increasing in the suburbs? How is this affecting house prices?</a:t>
-            </a:r>
-            <a:endParaRPr lang="en-US" b="1" dirty="0"/>
-          </a:p>
-        </p:txBody>
-      </p:sp>
-    </p:spTree>
-    <p:extLst>
-      <p:ext uri="{BB962C8B-B14F-4D97-AF65-F5344CB8AC3E}">
-        <p14:creationId xmlns:p14="http://schemas.microsoft.com/office/powerpoint/2010/main" val="1043260816"/>
-      </p:ext>
-    </p:extLst>
-  </p:cSld>
-  <p:clrMapOvr>
-    <a:masterClrMapping/>
-  </p:clrMapOvr>
-</p:sld>
-</file>
-
-<file path=ppt/slides/slide14.xml><?xml version="1.0" encoding="utf-8"?>
-<p:sld xmlns:a="http://schemas.openxmlformats.org/drawingml/2006/main" xmlns:r="http://schemas.openxmlformats.org/officeDocument/2006/relationships" xmlns:p="http://schemas.openxmlformats.org/presentationml/2006/main">
-  <p:cSld>
-    <p:spTree>
-      <p:nvGrpSpPr>
-        <p:cNvPr id="1" name=""/>
-        <p:cNvGrpSpPr/>
-        <p:nvPr/>
-      </p:nvGrpSpPr>
-      <p:grpSpPr>
-        <a:xfrm>
-          <a:off x="0" y="0"/>
-          <a:ext cx="0" cy="0"/>
-          <a:chOff x="0" y="0"/>
-          <a:chExt cx="0" cy="0"/>
-        </a:xfrm>
-      </p:grpSpPr>
-      <p:sp>
-        <p:nvSpPr>
-          <p:cNvPr id="2" name="Title 1">
-            <a:extLst>
-              <a:ext uri="{FF2B5EF4-FFF2-40B4-BE49-F238E27FC236}">
                 <a16:creationId xmlns:a16="http://schemas.microsoft.com/office/drawing/2014/main" id="{19E55A04-800E-4A9D-8318-A0FD5D434963}"/>
               </a:ext>
             </a:extLst>
@@ -3025,7 +2958,7 @@
 </p:sld>
 </file>
 
-<file path=ppt/slides/slide15.xml><?xml version="1.0" encoding="utf-8"?>
+<file path=ppt/slides/slide14.xml><?xml version="1.0" encoding="utf-8"?>
 <p:sld xmlns:a="http://schemas.openxmlformats.org/drawingml/2006/main" xmlns:r="http://schemas.openxmlformats.org/officeDocument/2006/relationships" xmlns:p="http://schemas.openxmlformats.org/presentationml/2006/main">
   <p:cSld>
     <p:spTree>
